--- a/Inference/Mobilenet/02.cnn.pptx
+++ b/Inference/Mobilenet/02.cnn.pptx
@@ -17,7 +17,7 @@
   </p:handoutMasterIdLst>
   <p:sldIdLst>
     <p:sldId id="1779" r:id="rId7"/>
-    <p:sldId id="739" r:id="rId8"/>
+    <p:sldId id="1836" r:id="rId8"/>
     <p:sldId id="1744" r:id="rId9"/>
     <p:sldId id="2058" r:id="rId10"/>
     <p:sldId id="2059" r:id="rId11"/>
@@ -558,7 +558,7 @@
             <a:fld id="{C45443A1-D8F2-48CD-A659-3CEDBA8DF541}" type="datetimeFigureOut">
               <a:rPr lang="zh-CN" altLang="en-US" smtClean="0"/>
               <a:pPr/>
-              <a:t>2023/1/6</a:t>
+              <a:t>2023/1/18</a:t>
             </a:fld>
             <a:endParaRPr lang="zh-CN" altLang="en-US"/>
           </a:p>
@@ -950,7 +950,7 @@
           <a:p>
             <a:fld id="{5190CEF9-362C-4F6D-B9B0-1E4FED2139D6}" type="datetime8">
               <a:rPr lang="en-US" smtClean="0"/>
-              <a:t>1/6/23 10:52 AM</a:t>
+              <a:t>1/18/23 10:52 PM</a:t>
             </a:fld>
             <a:endParaRPr lang="en-US"/>
           </a:p>
@@ -1115,7 +1115,7 @@
           <a:p>
             <a:fld id="{5190CEF9-362C-4F6D-B9B0-1E4FED2139D6}" type="datetime8">
               <a:rPr lang="en-US" smtClean="0"/>
-              <a:t>1/6/23 10:52 AM</a:t>
+              <a:t>1/18/23 10:52 PM</a:t>
             </a:fld>
             <a:endParaRPr lang="en-US"/>
           </a:p>
@@ -38913,7 +38913,7 @@
                 </a:solidFill>
                 <a:latin typeface="Gill Sans MT" panose="020B0502020104020203" pitchFamily="34" charset="0"/>
               </a:rPr>
-              <a:t>推理系统与推理引擎</a:t>
+              <a:t>推理系统与推理引擎区别</a:t>
             </a:r>
             <a:endParaRPr lang="en-US" altLang="zh-CN" sz="2000" dirty="0">
               <a:solidFill>
@@ -38934,7 +38934,7 @@
                 </a:solidFill>
                 <a:latin typeface="Gill Sans MT" panose="020B0502020104020203" pitchFamily="34" charset="0"/>
               </a:rPr>
-              <a:t>推理系统的工作流程</a:t>
+              <a:t>推理工作流程</a:t>
             </a:r>
             <a:endParaRPr lang="en-US" altLang="zh-CN" sz="2000" dirty="0">
               <a:solidFill>
@@ -38955,7 +38955,28 @@
                 </a:solidFill>
                 <a:latin typeface="Gill Sans MT" panose="020B0502020104020203" pitchFamily="34" charset="0"/>
               </a:rPr>
-              <a:t>推理系统生命周期管理</a:t>
+              <a:t>推理系统介绍</a:t>
+            </a:r>
+            <a:endParaRPr lang="en-US" altLang="zh-CN" sz="2000" dirty="0">
+              <a:solidFill>
+                <a:srgbClr val="374154"/>
+              </a:solidFill>
+              <a:latin typeface="Gill Sans MT" panose="020B0502020104020203" pitchFamily="34" charset="0"/>
+            </a:endParaRPr>
+          </a:p>
+          <a:p>
+            <a:pPr lvl="1">
+              <a:buFont typeface="Arial" panose="020B0604020202020204" pitchFamily="34" charset="0"/>
+              <a:buChar char="•"/>
+            </a:pPr>
+            <a:r>
+              <a:rPr lang="zh-CN" altLang="en-US" sz="2000" dirty="0">
+                <a:solidFill>
+                  <a:srgbClr val="374154"/>
+                </a:solidFill>
+                <a:latin typeface="Gill Sans MT" panose="020B0502020104020203" pitchFamily="34" charset="0"/>
+              </a:rPr>
+              <a:t>推理引擎介绍</a:t>
             </a:r>
             <a:endParaRPr lang="en-US" altLang="zh-CN" sz="2000" dirty="0">
               <a:solidFill>
@@ -38991,22 +39012,13 @@
               <a:buChar char="•"/>
             </a:pPr>
             <a:r>
-              <a:rPr lang="en-US" altLang="zh-CN" sz="2000" dirty="0">
+              <a:rPr lang="zh-CN" altLang="en-US" sz="2000" dirty="0">
                 <a:solidFill>
                   <a:srgbClr val="374154"/>
                 </a:solidFill>
                 <a:latin typeface="Gill Sans MT" panose="020B0502020104020203" pitchFamily="34" charset="0"/>
               </a:rPr>
-              <a:t>NAS</a:t>
-            </a:r>
-            <a:r>
-              <a:rPr lang="zh-CN" altLang="en-US" sz="2000" dirty="0">
-                <a:solidFill>
-                  <a:srgbClr val="374154"/>
-                </a:solidFill>
-                <a:latin typeface="Gill Sans MT" panose="020B0502020104020203" pitchFamily="34" charset="0"/>
-              </a:rPr>
-              <a:t>神经网络搜索</a:t>
+              <a:t>基础参数概念</a:t>
             </a:r>
             <a:endParaRPr lang="en-US" altLang="zh-CN" sz="2000" dirty="0">
               <a:solidFill>
@@ -39573,7 +39585,7 @@
     </p:spTree>
     <p:extLst>
       <p:ext uri="{BB962C8B-B14F-4D97-AF65-F5344CB8AC3E}">
-        <p14:creationId xmlns:p14="http://schemas.microsoft.com/office/powerpoint/2010/main" val="1670218982"/>
+        <p14:creationId xmlns:p14="http://schemas.microsoft.com/office/powerpoint/2010/main" val="2776229016"/>
       </p:ext>
     </p:extLst>
   </p:cSld>
